--- a/M08_Variables_y_metodos_estaticos/01 Presentacion/MOD08-Variables_y_metodos_estaticos.pptx
+++ b/M08_Variables_y_metodos_estaticos/01 Presentacion/MOD08-Variables_y_metodos_estaticos.pptx
@@ -39,22 +39,23 @@
   <p:notesSz cx="6858000" cy="9144000"/>
   <p:embeddedFontLst>
     <p:embeddedFont>
-      <p:font typeface="Cascadia Code" panose="020B0609020000020004" pitchFamily="49" charset="77"/>
+      <p:font typeface="Cascadia Code" panose="020B0609020000020004" pitchFamily="49" charset="0"/>
       <p:regular r:id="rId29"/>
+      <p:bold r:id="rId30"/>
     </p:embeddedFont>
     <p:embeddedFont>
       <p:font typeface="Consolas" panose="020B0609020204030204" pitchFamily="49" charset="0"/>
-      <p:regular r:id="rId30"/>
-      <p:bold r:id="rId31"/>
-      <p:italic r:id="rId32"/>
-      <p:boldItalic r:id="rId33"/>
+      <p:regular r:id="rId31"/>
+      <p:bold r:id="rId32"/>
+      <p:italic r:id="rId33"/>
+      <p:boldItalic r:id="rId34"/>
     </p:embeddedFont>
     <p:embeddedFont>
-      <p:font typeface="Roboto" panose="02000000000000000000" pitchFamily="2" charset="0"/>
-      <p:regular r:id="rId34"/>
-      <p:bold r:id="rId35"/>
-      <p:italic r:id="rId36"/>
-      <p:boldItalic r:id="rId37"/>
+      <p:font typeface="Roboto" panose="020B0604020202020204" charset="0"/>
+      <p:regular r:id="rId35"/>
+      <p:bold r:id="rId36"/>
+      <p:italic r:id="rId37"/>
+      <p:boldItalic r:id="rId38"/>
     </p:embeddedFont>
   </p:embeddedFontLst>
   <p:defaultTextStyle>
@@ -12591,7 +12592,7 @@
               <a:buNone/>
             </a:pPr>
             <a:r>
-              <a:rPr lang="es" sz="2400" b="1" dirty="0">
+              <a:rPr lang="es" sz="2000" b="1" dirty="0">
                 <a:solidFill>
                   <a:schemeClr val="tx1"/>
                 </a:solidFill>
@@ -12602,7 +12603,7 @@
               </a:rPr>
               <a:t>Estáticos</a:t>
             </a:r>
-            <a:endParaRPr sz="2400" b="1" dirty="0">
+            <a:endParaRPr sz="2000" b="1" dirty="0">
               <a:solidFill>
                 <a:schemeClr val="tx1"/>
               </a:solidFill>
@@ -12625,7 +12626,7 @@
               <a:buAutoNum type="arabicPeriod"/>
             </a:pPr>
             <a:r>
-              <a:rPr lang="es" sz="2400" dirty="0">
+              <a:rPr lang="es" sz="2000" dirty="0">
                 <a:solidFill>
                   <a:schemeClr val="tx2"/>
                 </a:solidFill>
@@ -12636,7 +12637,7 @@
               </a:rPr>
               <a:t>Leer la cantidad total de alumnos instanciados (variable estática). </a:t>
             </a:r>
-            <a:endParaRPr sz="2400" dirty="0">
+            <a:endParaRPr sz="2000" dirty="0">
               <a:solidFill>
                 <a:schemeClr val="tx2"/>
               </a:solidFill>
@@ -12659,7 +12660,7 @@
               <a:buAutoNum type="arabicPeriod"/>
             </a:pPr>
             <a:r>
-              <a:rPr lang="es" sz="2400" dirty="0">
+              <a:rPr lang="es" sz="2000" dirty="0">
                 <a:solidFill>
                   <a:schemeClr val="tx2"/>
                 </a:solidFill>
@@ -12670,7 +12671,7 @@
               </a:rPr>
               <a:t>Calcular el promedio de altura de todos los alumnos a partir de un arreglo</a:t>
             </a:r>
-            <a:endParaRPr sz="2400" dirty="0">
+            <a:endParaRPr sz="2000" dirty="0">
               <a:solidFill>
                 <a:schemeClr val="tx2"/>
               </a:solidFill>
@@ -12693,7 +12694,7 @@
               <a:buAutoNum type="arabicPeriod"/>
             </a:pPr>
             <a:r>
-              <a:rPr lang="es" sz="2400" dirty="0">
+              <a:rPr lang="es" sz="2000" dirty="0">
                 <a:solidFill>
                   <a:schemeClr val="tx2"/>
                 </a:solidFill>
@@ -12704,7 +12705,7 @@
               </a:rPr>
               <a:t>Leer la cantidad máxima de cursos que puede inscribir un alumno (constante)</a:t>
             </a:r>
-            <a:endParaRPr sz="2400" dirty="0">
+            <a:endParaRPr sz="2000" dirty="0">
               <a:solidFill>
                 <a:schemeClr val="tx2"/>
               </a:solidFill>
@@ -12727,7 +12728,7 @@
               <a:buAutoNum type="arabicPeriod"/>
             </a:pPr>
             <a:r>
-              <a:rPr lang="es" sz="2400" dirty="0">
+              <a:rPr lang="es" sz="2000" dirty="0">
                 <a:solidFill>
                   <a:schemeClr val="tx2"/>
                 </a:solidFill>
@@ -12738,7 +12739,32 @@
               </a:rPr>
               <a:t>Leer la cantidad mínima de cursos que puede inscribir un alumno (constante)</a:t>
             </a:r>
-            <a:endParaRPr sz="2400" dirty="0">
+          </a:p>
+          <a:p>
+            <a:pPr marL="584200" lvl="0" indent="-457200" algn="l" rtl="0">
+              <a:spcBef>
+                <a:spcPts val="0"/>
+              </a:spcBef>
+              <a:spcAft>
+                <a:spcPts val="0"/>
+              </a:spcAft>
+              <a:buSzPts val="1600"/>
+              <a:buFont typeface="+mj-lt"/>
+              <a:buAutoNum type="arabicPeriod"/>
+            </a:pPr>
+            <a:r>
+              <a:rPr lang="es" sz="2000" dirty="0">
+                <a:solidFill>
+                  <a:schemeClr val="tx2"/>
+                </a:solidFill>
+                <a:latin typeface="Roboto"/>
+                <a:ea typeface="Roboto"/>
+                <a:cs typeface="Roboto"/>
+                <a:sym typeface="Roboto"/>
+              </a:rPr>
+              <a:t>Ordenar una lista recibida de alumnos en orden alfabético.</a:t>
+            </a:r>
+            <a:endParaRPr sz="2000" dirty="0">
               <a:solidFill>
                 <a:schemeClr val="tx2"/>
               </a:solidFill>
@@ -12991,6 +13017,55 @@
                                           <p:spTgt spid="156">
                                             <p:txEl>
                                               <p:pRg st="4" end="4"/>
+                                            </p:txEl>
+                                          </p:spTgt>
+                                        </p:tgtEl>
+                                        <p:attrNameLst>
+                                          <p:attrName>style.visibility</p:attrName>
+                                        </p:attrNameLst>
+                                      </p:cBhvr>
+                                      <p:to>
+                                        <p:strVal val="visible"/>
+                                      </p:to>
+                                    </p:set>
+                                  </p:childTnLst>
+                                </p:cTn>
+                              </p:par>
+                            </p:childTnLst>
+                          </p:cTn>
+                        </p:par>
+                      </p:childTnLst>
+                    </p:cTn>
+                  </p:par>
+                  <p:par>
+                    <p:cTn id="19" fill="hold">
+                      <p:stCondLst>
+                        <p:cond delay="indefinite"/>
+                      </p:stCondLst>
+                      <p:childTnLst>
+                        <p:par>
+                          <p:cTn id="20" fill="hold">
+                            <p:stCondLst>
+                              <p:cond delay="0"/>
+                            </p:stCondLst>
+                            <p:childTnLst>
+                              <p:par>
+                                <p:cTn id="21" presetID="1" presetClass="entr" presetSubtype="0" fill="hold" nodeType="clickEffect">
+                                  <p:stCondLst>
+                                    <p:cond delay="0"/>
+                                  </p:stCondLst>
+                                  <p:childTnLst>
+                                    <p:set>
+                                      <p:cBhvr>
+                                        <p:cTn id="22" dur="1" fill="hold">
+                                          <p:stCondLst>
+                                            <p:cond delay="0"/>
+                                          </p:stCondLst>
+                                        </p:cTn>
+                                        <p:tgtEl>
+                                          <p:spTgt spid="156">
+                                            <p:txEl>
+                                              <p:pRg st="5" end="5"/>
                                             </p:txEl>
                                           </p:spTgt>
                                         </p:tgtEl>
